--- a/artifacts/demo/Hackathon-Presentation - FINAL.pptx
+++ b/artifacts/demo/Hackathon-Presentation - FINAL.pptx
@@ -19,7 +19,7 @@
     <p:sldId id="398" r:id="rId10"/>
     <p:sldId id="407" r:id="rId11"/>
     <p:sldId id="403" r:id="rId12"/>
-    <p:sldId id="256" r:id="rId13"/>
+    <p:sldId id="408" r:id="rId13"/>
     <p:sldId id="406" r:id="rId14"/>
   </p:sldIdLst>
   <p:sldSz cx="12192000" cy="6858000"/>
@@ -4086,7 +4086,7 @@
           <a:p>
             <a:fld id="{4CFBB26B-2B63-4D29-9C09-C84BC8020C07}" type="datetimeFigureOut">
               <a:rPr lang="en-US" smtClean="0"/>
-              <a:t>3/25/2025</a:t>
+              <a:t>3/26/2025</a:t>
             </a:fld>
             <a:endParaRPr lang="en-US"/>
           </a:p>
@@ -7177,7 +7177,7 @@
           <a:p>
             <a:fld id="{7AF709B4-3B29-49BA-BFA9-79C3522F72AF}" type="datetimeFigureOut">
               <a:rPr lang="en-IN" smtClean="0"/>
-              <a:t>25-03-2025</a:t>
+              <a:t>26-03-2025</a:t>
             </a:fld>
             <a:endParaRPr lang="en-IN"/>
           </a:p>
@@ -11840,10 +11840,119 @@
           </a:p>
         </p:txBody>
       </p:sp>
+      <p:sp>
+        <p:nvSpPr>
+          <p:cNvPr id="5" name="TextBox 4">
+            <a:extLst>
+              <a:ext uri="{FF2B5EF4-FFF2-40B4-BE49-F238E27FC236}">
+                <a16:creationId xmlns:a16="http://schemas.microsoft.com/office/drawing/2014/main" id="{41AEE25F-54BC-89F4-BFC8-EBC54037A539}"/>
+              </a:ext>
+            </a:extLst>
+          </p:cNvPr>
+          <p:cNvSpPr txBox="1"/>
+          <p:nvPr/>
+        </p:nvSpPr>
+        <p:spPr>
+          <a:xfrm>
+            <a:off x="834991" y="1323821"/>
+            <a:ext cx="10888579" cy="3139321"/>
+          </a:xfrm>
+          <a:prstGeom prst="rect">
+            <a:avLst/>
+          </a:prstGeom>
+          <a:noFill/>
+        </p:spPr>
+        <p:txBody>
+          <a:bodyPr wrap="square">
+            <a:spAutoFit/>
+          </a:bodyPr>
+          <a:lstStyle/>
+          <a:p>
+            <a:endParaRPr lang="en-US" dirty="0"/>
+          </a:p>
+          <a:p>
+            <a:endParaRPr lang="en-US" dirty="0"/>
+          </a:p>
+          <a:p>
+            <a:r>
+              <a:rPr lang="en-US" b="1" u="sng" dirty="0"/>
+              <a:t>Slides Demo: </a:t>
+            </a:r>
+          </a:p>
+          <a:p>
+            <a:r>
+              <a:rPr lang="en-US" b="1" dirty="0"/>
+              <a:t>URL: </a:t>
+            </a:r>
+            <a:r>
+              <a:rPr lang="en-US" dirty="0"/>
+              <a:t>https://github.com/ewfx/gaipl-wels-v/blob/main/artifacts/demo</a:t>
+            </a:r>
+          </a:p>
+          <a:p>
+            <a:r>
+              <a:rPr lang="en-US" b="1" dirty="0"/>
+              <a:t>File Name : </a:t>
+            </a:r>
+            <a:r>
+              <a:rPr lang="en-US" dirty="0"/>
+              <a:t>Hackathon-Slides-Vedio.mp4</a:t>
+            </a:r>
+          </a:p>
+          <a:p>
+            <a:endParaRPr lang="en-US" dirty="0"/>
+          </a:p>
+          <a:p>
+            <a:endParaRPr lang="en-US" dirty="0"/>
+          </a:p>
+          <a:p>
+            <a:r>
+              <a:rPr lang="en-US" b="1" u="sng" dirty="0"/>
+              <a:t>Application Setup and Run Demo: </a:t>
+            </a:r>
+          </a:p>
+          <a:p>
+            <a:r>
+              <a:rPr lang="en-US" b="1" dirty="0"/>
+              <a:t>URL: </a:t>
+            </a:r>
+            <a:r>
+              <a:rPr lang="en-US" dirty="0"/>
+              <a:t>https://github.com/ewfx/gaipl-wels-v/blob/main/artifacts/demo</a:t>
+            </a:r>
+          </a:p>
+          <a:p>
+            <a:r>
+              <a:rPr lang="en-US" b="1" dirty="0"/>
+              <a:t>File Name</a:t>
+            </a:r>
+            <a:r>
+              <a:rPr lang="en-US" dirty="0"/>
+              <a:t>: </a:t>
+            </a:r>
+            <a:r>
+              <a:rPr lang="en-US" dirty="0">
+                <a:hlinkClick r:id="rId2" tooltip="Application setup and Run Demo.mp4">
+                  <a:extLst>
+                    <a:ext uri="{A12FA001-AC4F-418D-AE19-62706E023703}">
+                      <ahyp:hlinkClr xmlns:ahyp="http://schemas.microsoft.com/office/drawing/2018/hyperlinkcolor" val="tx"/>
+                    </a:ext>
+                  </a:extLst>
+                </a:hlinkClick>
+              </a:rPr>
+              <a:t>Application setup and Run Demo.mp4</a:t>
+            </a:r>
+            <a:endParaRPr lang="en-US" dirty="0"/>
+          </a:p>
+          <a:p>
+            <a:endParaRPr lang="en-US" dirty="0"/>
+          </a:p>
+        </p:txBody>
+      </p:sp>
     </p:spTree>
     <p:extLst>
       <p:ext uri="{BB962C8B-B14F-4D97-AF65-F5344CB8AC3E}">
-        <p14:creationId xmlns:p14="http://schemas.microsoft.com/office/powerpoint/2010/main" val="1441458281"/>
+        <p14:creationId xmlns:p14="http://schemas.microsoft.com/office/powerpoint/2010/main" val="2439532121"/>
       </p:ext>
     </p:extLst>
   </p:cSld>

--- a/artifacts/demo/Hackathon-Presentation - FINAL.pptx
+++ b/artifacts/demo/Hackathon-Presentation - FINAL.pptx
@@ -11896,7 +11896,7 @@
             </a:r>
             <a:r>
               <a:rPr lang="en-US" dirty="0"/>
-              <a:t>Hackathon-Slides-Vedio.mp4</a:t>
+              <a:t>Hackathon-Slides-Video.mp4</a:t>
             </a:r>
           </a:p>
           <a:p>
